--- a/advoclik pitch deck.pptx
+++ b/advoclik pitch deck.pptx
@@ -3873,7 +3873,7 @@
         <p:spPr/>
         <p:txBody>
           <a:bodyPr>
-            <a:normAutofit lnSpcReduction="10000"/>
+            <a:normAutofit fontScale="92500" lnSpcReduction="20000"/>
           </a:bodyPr>
           <a:lstStyle/>
           <a:p>
@@ -3882,7 +3882,30 @@
             </a:pPr>
             <a:r>
               <a:rPr lang="en-US" dirty="0" smtClean="0"/>
-              <a:t>Social network ad spending is expected to hit $30B globally in 2016</a:t>
+              <a:t>What is our initial market?</a:t>
+            </a:r>
+          </a:p>
+          <a:p>
+            <a:pPr marL="0" indent="0">
+              <a:buNone/>
+            </a:pPr>
+            <a:r>
+              <a:rPr lang="en-US" dirty="0" smtClean="0"/>
+              <a:t>What is our ultimate market?</a:t>
+            </a:r>
+            <a:endParaRPr lang="en-US" dirty="0" smtClean="0"/>
+          </a:p>
+          <a:p>
+            <a:pPr marL="0" indent="0">
+              <a:buNone/>
+            </a:pPr>
+            <a:r>
+              <a:rPr lang="en-US" dirty="0" smtClean="0"/>
+              <a:t>Social </a:t>
+            </a:r>
+            <a:r>
+              <a:rPr lang="en-US" dirty="0" smtClean="0"/>
+              <a:t>network ad spending is expected to hit $30B globally in 2016</a:t>
             </a:r>
             <a:r>
               <a:rPr lang="en-US" baseline="30000" dirty="0" smtClean="0"/>
@@ -4055,9 +4078,339 @@
           </a:p>
         </p:txBody>
       </p:sp>
-      <p:sp>
-        <p:nvSpPr>
-          <p:cNvPr id="3" name="Content Placeholder 2"/>
+      <p:pic>
+        <p:nvPicPr>
+          <p:cNvPr id="4" name="Picture 3"/>
+          <p:cNvPicPr>
+            <a:picLocks noChangeAspect="1"/>
+          </p:cNvPicPr>
+          <p:nvPr/>
+        </p:nvPicPr>
+        <p:blipFill>
+          <a:blip r:embed="rId2" cstate="print">
+            <a:extLst>
+              <a:ext uri="{28A0092B-C50C-407E-A947-70E740481C1C}">
+                <a14:useLocalDpi xmlns:a14="http://schemas.microsoft.com/office/drawing/2010/main" val="0"/>
+              </a:ext>
+            </a:extLst>
+          </a:blip>
+          <a:stretch>
+            <a:fillRect/>
+          </a:stretch>
+        </p:blipFill>
+        <p:spPr>
+          <a:xfrm>
+            <a:off x="6323487" y="4859777"/>
+            <a:ext cx="1481599" cy="649081"/>
+          </a:xfrm>
+          <a:prstGeom prst="rect">
+            <a:avLst/>
+          </a:prstGeom>
+        </p:spPr>
+      </p:pic>
+      <p:pic>
+        <p:nvPicPr>
+          <p:cNvPr id="5" name="Picture 4"/>
+          <p:cNvPicPr>
+            <a:picLocks noChangeAspect="1"/>
+          </p:cNvPicPr>
+          <p:nvPr/>
+        </p:nvPicPr>
+        <p:blipFill>
+          <a:blip r:embed="rId3" cstate="print">
+            <a:extLst>
+              <a:ext uri="{28A0092B-C50C-407E-A947-70E740481C1C}">
+                <a14:useLocalDpi xmlns:a14="http://schemas.microsoft.com/office/drawing/2010/main" val="0"/>
+              </a:ext>
+            </a:extLst>
+          </a:blip>
+          <a:stretch>
+            <a:fillRect/>
+          </a:stretch>
+        </p:blipFill>
+        <p:spPr>
+          <a:xfrm>
+            <a:off x="7413684" y="2416277"/>
+            <a:ext cx="1025211" cy="207085"/>
+          </a:xfrm>
+          <a:prstGeom prst="rect">
+            <a:avLst/>
+          </a:prstGeom>
+        </p:spPr>
+      </p:pic>
+      <p:pic>
+        <p:nvPicPr>
+          <p:cNvPr id="6" name="Picture 5"/>
+          <p:cNvPicPr>
+            <a:picLocks noChangeAspect="1"/>
+          </p:cNvPicPr>
+          <p:nvPr/>
+        </p:nvPicPr>
+        <p:blipFill>
+          <a:blip r:embed="rId4" cstate="print">
+            <a:extLst>
+              <a:ext uri="{28A0092B-C50C-407E-A947-70E740481C1C}">
+                <a14:useLocalDpi xmlns:a14="http://schemas.microsoft.com/office/drawing/2010/main" val="0"/>
+              </a:ext>
+            </a:extLst>
+          </a:blip>
+          <a:stretch>
+            <a:fillRect/>
+          </a:stretch>
+        </p:blipFill>
+        <p:spPr>
+          <a:xfrm>
+            <a:off x="1902855" y="4454981"/>
+            <a:ext cx="794730" cy="794730"/>
+          </a:xfrm>
+          <a:prstGeom prst="rect">
+            <a:avLst/>
+          </a:prstGeom>
+        </p:spPr>
+      </p:pic>
+      <p:pic>
+        <p:nvPicPr>
+          <p:cNvPr id="7" name="Picture 6"/>
+          <p:cNvPicPr>
+            <a:picLocks noChangeAspect="1"/>
+          </p:cNvPicPr>
+          <p:nvPr/>
+        </p:nvPicPr>
+        <p:blipFill>
+          <a:blip r:embed="rId5">
+            <a:extLst>
+              <a:ext uri="{28A0092B-C50C-407E-A947-70E740481C1C}">
+                <a14:useLocalDpi xmlns:a14="http://schemas.microsoft.com/office/drawing/2010/main" val="0"/>
+              </a:ext>
+            </a:extLst>
+          </a:blip>
+          <a:stretch>
+            <a:fillRect/>
+          </a:stretch>
+        </p:blipFill>
+        <p:spPr>
+          <a:xfrm>
+            <a:off x="6136227" y="2240957"/>
+            <a:ext cx="1172635" cy="469054"/>
+          </a:xfrm>
+          <a:prstGeom prst="rect">
+            <a:avLst/>
+          </a:prstGeom>
+        </p:spPr>
+      </p:pic>
+      <p:pic>
+        <p:nvPicPr>
+          <p:cNvPr id="8" name="Picture 7"/>
+          <p:cNvPicPr>
+            <a:picLocks noChangeAspect="1"/>
+          </p:cNvPicPr>
+          <p:nvPr/>
+        </p:nvPicPr>
+        <p:blipFill>
+          <a:blip r:embed="rId6" cstate="print">
+            <a:extLst>
+              <a:ext uri="{28A0092B-C50C-407E-A947-70E740481C1C}">
+                <a14:useLocalDpi xmlns:a14="http://schemas.microsoft.com/office/drawing/2010/main" val="0"/>
+              </a:ext>
+            </a:extLst>
+          </a:blip>
+          <a:stretch>
+            <a:fillRect/>
+          </a:stretch>
+        </p:blipFill>
+        <p:spPr>
+          <a:xfrm>
+            <a:off x="6443318" y="2890136"/>
+            <a:ext cx="1361768" cy="245118"/>
+          </a:xfrm>
+          <a:prstGeom prst="rect">
+            <a:avLst/>
+          </a:prstGeom>
+        </p:spPr>
+      </p:pic>
+      <p:pic>
+        <p:nvPicPr>
+          <p:cNvPr id="9" name="Picture 8"/>
+          <p:cNvPicPr>
+            <a:picLocks noChangeAspect="1"/>
+          </p:cNvPicPr>
+          <p:nvPr/>
+        </p:nvPicPr>
+        <p:blipFill>
+          <a:blip r:embed="rId7" cstate="print">
+            <a:extLst>
+              <a:ext uri="{28A0092B-C50C-407E-A947-70E740481C1C}">
+                <a14:useLocalDpi xmlns:a14="http://schemas.microsoft.com/office/drawing/2010/main" val="0"/>
+              </a:ext>
+            </a:extLst>
+          </a:blip>
+          <a:stretch>
+            <a:fillRect/>
+          </a:stretch>
+        </p:blipFill>
+        <p:spPr>
+          <a:xfrm>
+            <a:off x="1636830" y="2926218"/>
+            <a:ext cx="1109568" cy="418862"/>
+          </a:xfrm>
+          <a:prstGeom prst="rect">
+            <a:avLst/>
+          </a:prstGeom>
+        </p:spPr>
+      </p:pic>
+      <p:pic>
+        <p:nvPicPr>
+          <p:cNvPr id="10" name="Picture 9"/>
+          <p:cNvPicPr>
+            <a:picLocks noChangeAspect="1"/>
+          </p:cNvPicPr>
+          <p:nvPr/>
+        </p:nvPicPr>
+        <p:blipFill>
+          <a:blip r:embed="rId8" cstate="print">
+            <a:extLst>
+              <a:ext uri="{28A0092B-C50C-407E-A947-70E740481C1C}">
+                <a14:useLocalDpi xmlns:a14="http://schemas.microsoft.com/office/drawing/2010/main" val="0"/>
+              </a:ext>
+            </a:extLst>
+          </a:blip>
+          <a:stretch>
+            <a:fillRect/>
+          </a:stretch>
+        </p:blipFill>
+        <p:spPr>
+          <a:xfrm>
+            <a:off x="6795555" y="3211150"/>
+            <a:ext cx="1719795" cy="573265"/>
+          </a:xfrm>
+          <a:prstGeom prst="rect">
+            <a:avLst/>
+          </a:prstGeom>
+        </p:spPr>
+      </p:pic>
+      <p:pic>
+        <p:nvPicPr>
+          <p:cNvPr id="11" name="Picture 10"/>
+          <p:cNvPicPr>
+            <a:picLocks noChangeAspect="1"/>
+          </p:cNvPicPr>
+          <p:nvPr/>
+        </p:nvPicPr>
+        <p:blipFill>
+          <a:blip r:embed="rId9" cstate="print">
+            <a:extLst>
+              <a:ext uri="{28A0092B-C50C-407E-A947-70E740481C1C}">
+                <a14:useLocalDpi xmlns:a14="http://schemas.microsoft.com/office/drawing/2010/main" val="0"/>
+              </a:ext>
+            </a:extLst>
+          </a:blip>
+          <a:stretch>
+            <a:fillRect/>
+          </a:stretch>
+        </p:blipFill>
+        <p:spPr>
+          <a:xfrm>
+            <a:off x="3798912" y="4052522"/>
+            <a:ext cx="1662160" cy="221113"/>
+          </a:xfrm>
+          <a:prstGeom prst="rect">
+            <a:avLst/>
+          </a:prstGeom>
+        </p:spPr>
+      </p:pic>
+      <p:pic>
+        <p:nvPicPr>
+          <p:cNvPr id="12" name="Picture 11"/>
+          <p:cNvPicPr>
+            <a:picLocks noChangeAspect="1"/>
+          </p:cNvPicPr>
+          <p:nvPr/>
+        </p:nvPicPr>
+        <p:blipFill>
+          <a:blip r:embed="rId10">
+            <a:extLst>
+              <a:ext uri="{28A0092B-C50C-407E-A947-70E740481C1C}">
+                <a14:useLocalDpi xmlns:a14="http://schemas.microsoft.com/office/drawing/2010/main" val="0"/>
+              </a:ext>
+            </a:extLst>
+          </a:blip>
+          <a:stretch>
+            <a:fillRect/>
+          </a:stretch>
+        </p:blipFill>
+        <p:spPr>
+          <a:xfrm>
+            <a:off x="1898034" y="2311369"/>
+            <a:ext cx="880541" cy="291944"/>
+          </a:xfrm>
+          <a:prstGeom prst="rect">
+            <a:avLst/>
+          </a:prstGeom>
+        </p:spPr>
+      </p:pic>
+      <p:pic>
+        <p:nvPicPr>
+          <p:cNvPr id="13" name="Picture 12"/>
+          <p:cNvPicPr>
+            <a:picLocks noChangeAspect="1"/>
+          </p:cNvPicPr>
+          <p:nvPr/>
+        </p:nvPicPr>
+        <p:blipFill>
+          <a:blip r:embed="rId11" cstate="print">
+            <a:extLst>
+              <a:ext uri="{28A0092B-C50C-407E-A947-70E740481C1C}">
+                <a14:useLocalDpi xmlns:a14="http://schemas.microsoft.com/office/drawing/2010/main" val="0"/>
+              </a:ext>
+            </a:extLst>
+          </a:blip>
+          <a:stretch>
+            <a:fillRect/>
+          </a:stretch>
+        </p:blipFill>
+        <p:spPr>
+          <a:xfrm>
+            <a:off x="1664222" y="5371617"/>
+            <a:ext cx="1117383" cy="372461"/>
+          </a:xfrm>
+          <a:prstGeom prst="rect">
+            <a:avLst/>
+          </a:prstGeom>
+        </p:spPr>
+      </p:pic>
+      <p:pic>
+        <p:nvPicPr>
+          <p:cNvPr id="14" name="Picture 13"/>
+          <p:cNvPicPr>
+            <a:picLocks noChangeAspect="1"/>
+          </p:cNvPicPr>
+          <p:nvPr/>
+        </p:nvPicPr>
+        <p:blipFill>
+          <a:blip r:embed="rId12" cstate="print">
+            <a:extLst>
+              <a:ext uri="{28A0092B-C50C-407E-A947-70E740481C1C}">
+                <a14:useLocalDpi xmlns:a14="http://schemas.microsoft.com/office/drawing/2010/main" val="0"/>
+              </a:ext>
+            </a:extLst>
+          </a:blip>
+          <a:stretch>
+            <a:fillRect/>
+          </a:stretch>
+        </p:blipFill>
+        <p:spPr>
+          <a:xfrm>
+            <a:off x="2778575" y="2314438"/>
+            <a:ext cx="3912158" cy="2282092"/>
+          </a:xfrm>
+          <a:prstGeom prst="rect">
+            <a:avLst/>
+          </a:prstGeom>
+        </p:spPr>
+      </p:pic>
+      <p:sp>
+        <p:nvSpPr>
+          <p:cNvPr id="15" name="Content Placeholder 14"/>
           <p:cNvSpPr>
             <a:spLocks noGrp="1"/>
           </p:cNvSpPr>
@@ -4065,84 +4418,619 @@
             <p:ph idx="1"/>
           </p:nvPr>
         </p:nvSpPr>
-        <p:spPr/>
+        <p:spPr>
+          <a:xfrm>
+            <a:off x="175982" y="6044386"/>
+            <a:ext cx="3232150" cy="548275"/>
+          </a:xfrm>
+        </p:spPr>
         <p:txBody>
           <a:bodyPr>
-            <a:normAutofit lnSpcReduction="10000"/>
+            <a:normAutofit fontScale="70000" lnSpcReduction="20000"/>
           </a:bodyPr>
           <a:lstStyle/>
           <a:p>
-            <a:pPr marL="0" indent="0">
+            <a:pPr marL="0" indent="0" algn="ctr">
               <a:buNone/>
             </a:pPr>
             <a:r>
               <a:rPr lang="en-US" dirty="0" smtClean="0"/>
-              <a:t>Closest competitor is </a:t>
-            </a:r>
-            <a:r>
-              <a:rPr lang="en-US" dirty="0" err="1" smtClean="0"/>
-              <a:t>Boostinsider</a:t>
-            </a:r>
-            <a:r>
-              <a:rPr lang="en-US" dirty="0"/>
-              <a:t> </a:t>
-            </a:r>
+              <a:t>Encourage consumer advocates</a:t>
+            </a:r>
+            <a:endParaRPr lang="en-US" dirty="0"/>
+          </a:p>
+        </p:txBody>
+      </p:sp>
+      <p:sp>
+        <p:nvSpPr>
+          <p:cNvPr id="16" name="Content Placeholder 14"/>
+          <p:cNvSpPr txBox="1">
+            <a:spLocks/>
+          </p:cNvSpPr>
+          <p:nvPr/>
+        </p:nvSpPr>
+        <p:spPr>
+          <a:xfrm>
+            <a:off x="321128" y="1382269"/>
+            <a:ext cx="3232150" cy="548275"/>
+          </a:xfrm>
+          <a:prstGeom prst="rect">
+            <a:avLst/>
+          </a:prstGeom>
+        </p:spPr>
+        <p:txBody>
+          <a:bodyPr vert="horz" lIns="91440" tIns="45720" rIns="91440" bIns="45720" rtlCol="0">
+            <a:normAutofit fontScale="70000" lnSpcReduction="20000"/>
+          </a:bodyPr>
+          <a:lstStyle>
+            <a:lvl1pPr marL="228600" indent="-228600" algn="l" defTabSz="914400" rtl="0" eaLnBrk="1" latinLnBrk="0" hangingPunct="1">
+              <a:lnSpc>
+                <a:spcPct val="90000"/>
+              </a:lnSpc>
+              <a:spcBef>
+                <a:spcPts val="1000"/>
+              </a:spcBef>
+              <a:buFont typeface="Arial" panose="020B0604020202020204" pitchFamily="34" charset="0"/>
+              <a:buChar char="•"/>
+              <a:defRPr sz="2800" kern="1200">
+                <a:solidFill>
+                  <a:schemeClr val="tx1"/>
+                </a:solidFill>
+                <a:latin typeface="+mn-lt"/>
+                <a:ea typeface="+mn-ea"/>
+                <a:cs typeface="+mn-cs"/>
+              </a:defRPr>
+            </a:lvl1pPr>
+            <a:lvl2pPr marL="685800" indent="-228600" algn="l" defTabSz="914400" rtl="0" eaLnBrk="1" latinLnBrk="0" hangingPunct="1">
+              <a:lnSpc>
+                <a:spcPct val="90000"/>
+              </a:lnSpc>
+              <a:spcBef>
+                <a:spcPts val="500"/>
+              </a:spcBef>
+              <a:buFont typeface="Arial" panose="020B0604020202020204" pitchFamily="34" charset="0"/>
+              <a:buChar char="•"/>
+              <a:defRPr sz="2400" kern="1200">
+                <a:solidFill>
+                  <a:schemeClr val="tx1"/>
+                </a:solidFill>
+                <a:latin typeface="+mn-lt"/>
+                <a:ea typeface="+mn-ea"/>
+                <a:cs typeface="+mn-cs"/>
+              </a:defRPr>
+            </a:lvl2pPr>
+            <a:lvl3pPr marL="1143000" indent="-228600" algn="l" defTabSz="914400" rtl="0" eaLnBrk="1" latinLnBrk="0" hangingPunct="1">
+              <a:lnSpc>
+                <a:spcPct val="90000"/>
+              </a:lnSpc>
+              <a:spcBef>
+                <a:spcPts val="500"/>
+              </a:spcBef>
+              <a:buFont typeface="Arial" panose="020B0604020202020204" pitchFamily="34" charset="0"/>
+              <a:buChar char="•"/>
+              <a:defRPr sz="2000" kern="1200">
+                <a:solidFill>
+                  <a:schemeClr val="tx1"/>
+                </a:solidFill>
+                <a:latin typeface="+mn-lt"/>
+                <a:ea typeface="+mn-ea"/>
+                <a:cs typeface="+mn-cs"/>
+              </a:defRPr>
+            </a:lvl3pPr>
+            <a:lvl4pPr marL="1600200" indent="-228600" algn="l" defTabSz="914400" rtl="0" eaLnBrk="1" latinLnBrk="0" hangingPunct="1">
+              <a:lnSpc>
+                <a:spcPct val="90000"/>
+              </a:lnSpc>
+              <a:spcBef>
+                <a:spcPts val="500"/>
+              </a:spcBef>
+              <a:buFont typeface="Arial" panose="020B0604020202020204" pitchFamily="34" charset="0"/>
+              <a:buChar char="•"/>
+              <a:defRPr sz="1800" kern="1200">
+                <a:solidFill>
+                  <a:schemeClr val="tx1"/>
+                </a:solidFill>
+                <a:latin typeface="+mn-lt"/>
+                <a:ea typeface="+mn-ea"/>
+                <a:cs typeface="+mn-cs"/>
+              </a:defRPr>
+            </a:lvl4pPr>
+            <a:lvl5pPr marL="2057400" indent="-228600" algn="l" defTabSz="914400" rtl="0" eaLnBrk="1" latinLnBrk="0" hangingPunct="1">
+              <a:lnSpc>
+                <a:spcPct val="90000"/>
+              </a:lnSpc>
+              <a:spcBef>
+                <a:spcPts val="500"/>
+              </a:spcBef>
+              <a:buFont typeface="Arial" panose="020B0604020202020204" pitchFamily="34" charset="0"/>
+              <a:buChar char="•"/>
+              <a:defRPr sz="1800" kern="1200">
+                <a:solidFill>
+                  <a:schemeClr val="tx1"/>
+                </a:solidFill>
+                <a:latin typeface="+mn-lt"/>
+                <a:ea typeface="+mn-ea"/>
+                <a:cs typeface="+mn-cs"/>
+              </a:defRPr>
+            </a:lvl5pPr>
+            <a:lvl6pPr marL="2514600" indent="-228600" algn="l" defTabSz="914400" rtl="0" eaLnBrk="1" latinLnBrk="0" hangingPunct="1">
+              <a:lnSpc>
+                <a:spcPct val="90000"/>
+              </a:lnSpc>
+              <a:spcBef>
+                <a:spcPts val="500"/>
+              </a:spcBef>
+              <a:buFont typeface="Arial" panose="020B0604020202020204" pitchFamily="34" charset="0"/>
+              <a:buChar char="•"/>
+              <a:defRPr sz="1800" kern="1200">
+                <a:solidFill>
+                  <a:schemeClr val="tx1"/>
+                </a:solidFill>
+                <a:latin typeface="+mn-lt"/>
+                <a:ea typeface="+mn-ea"/>
+                <a:cs typeface="+mn-cs"/>
+              </a:defRPr>
+            </a:lvl6pPr>
+            <a:lvl7pPr marL="2971800" indent="-228600" algn="l" defTabSz="914400" rtl="0" eaLnBrk="1" latinLnBrk="0" hangingPunct="1">
+              <a:lnSpc>
+                <a:spcPct val="90000"/>
+              </a:lnSpc>
+              <a:spcBef>
+                <a:spcPts val="500"/>
+              </a:spcBef>
+              <a:buFont typeface="Arial" panose="020B0604020202020204" pitchFamily="34" charset="0"/>
+              <a:buChar char="•"/>
+              <a:defRPr sz="1800" kern="1200">
+                <a:solidFill>
+                  <a:schemeClr val="tx1"/>
+                </a:solidFill>
+                <a:latin typeface="+mn-lt"/>
+                <a:ea typeface="+mn-ea"/>
+                <a:cs typeface="+mn-cs"/>
+              </a:defRPr>
+            </a:lvl7pPr>
+            <a:lvl8pPr marL="3429000" indent="-228600" algn="l" defTabSz="914400" rtl="0" eaLnBrk="1" latinLnBrk="0" hangingPunct="1">
+              <a:lnSpc>
+                <a:spcPct val="90000"/>
+              </a:lnSpc>
+              <a:spcBef>
+                <a:spcPts val="500"/>
+              </a:spcBef>
+              <a:buFont typeface="Arial" panose="020B0604020202020204" pitchFamily="34" charset="0"/>
+              <a:buChar char="•"/>
+              <a:defRPr sz="1800" kern="1200">
+                <a:solidFill>
+                  <a:schemeClr val="tx1"/>
+                </a:solidFill>
+                <a:latin typeface="+mn-lt"/>
+                <a:ea typeface="+mn-ea"/>
+                <a:cs typeface="+mn-cs"/>
+              </a:defRPr>
+            </a:lvl8pPr>
+            <a:lvl9pPr marL="3886200" indent="-228600" algn="l" defTabSz="914400" rtl="0" eaLnBrk="1" latinLnBrk="0" hangingPunct="1">
+              <a:lnSpc>
+                <a:spcPct val="90000"/>
+              </a:lnSpc>
+              <a:spcBef>
+                <a:spcPts val="500"/>
+              </a:spcBef>
+              <a:buFont typeface="Arial" panose="020B0604020202020204" pitchFamily="34" charset="0"/>
+              <a:buChar char="•"/>
+              <a:defRPr sz="1800" kern="1200">
+                <a:solidFill>
+                  <a:schemeClr val="tx1"/>
+                </a:solidFill>
+                <a:latin typeface="+mn-lt"/>
+                <a:ea typeface="+mn-ea"/>
+                <a:cs typeface="+mn-cs"/>
+              </a:defRPr>
+            </a:lvl9pPr>
+          </a:lstStyle>
+          <a:p>
+            <a:pPr marL="0" indent="0" algn="ctr">
+              <a:buFont typeface="Arial" panose="020B0604020202020204" pitchFamily="34" charset="0"/>
+              <a:buNone/>
+            </a:pPr>
             <a:r>
               <a:rPr lang="en-US" dirty="0" smtClean="0"/>
-              <a:t>– a similar idea with slightly different execution. They raised $1.5MM in seed money in October, 2015</a:t>
-            </a:r>
-          </a:p>
-          <a:p>
-            <a:pPr marL="0" indent="0">
+              <a:t>Provide financial rewards to consumer advocates</a:t>
+            </a:r>
+            <a:endParaRPr lang="en-US" dirty="0"/>
+          </a:p>
+        </p:txBody>
+      </p:sp>
+      <p:sp>
+        <p:nvSpPr>
+          <p:cNvPr id="17" name="Content Placeholder 14"/>
+          <p:cNvSpPr txBox="1">
+            <a:spLocks/>
+          </p:cNvSpPr>
+          <p:nvPr/>
+        </p:nvSpPr>
+        <p:spPr>
+          <a:xfrm>
+            <a:off x="6619082" y="1070533"/>
+            <a:ext cx="2524918" cy="548275"/>
+          </a:xfrm>
+          <a:prstGeom prst="rect">
+            <a:avLst/>
+          </a:prstGeom>
+        </p:spPr>
+        <p:txBody>
+          <a:bodyPr vert="horz" lIns="91440" tIns="45720" rIns="91440" bIns="45720" rtlCol="0">
+            <a:normAutofit fontScale="70000" lnSpcReduction="20000"/>
+          </a:bodyPr>
+          <a:lstStyle>
+            <a:lvl1pPr marL="228600" indent="-228600" algn="l" defTabSz="914400" rtl="0" eaLnBrk="1" latinLnBrk="0" hangingPunct="1">
+              <a:lnSpc>
+                <a:spcPct val="90000"/>
+              </a:lnSpc>
+              <a:spcBef>
+                <a:spcPts val="1000"/>
+              </a:spcBef>
+              <a:buFont typeface="Arial" panose="020B0604020202020204" pitchFamily="34" charset="0"/>
+              <a:buChar char="•"/>
+              <a:defRPr sz="2800" kern="1200">
+                <a:solidFill>
+                  <a:schemeClr val="tx1"/>
+                </a:solidFill>
+                <a:latin typeface="+mn-lt"/>
+                <a:ea typeface="+mn-ea"/>
+                <a:cs typeface="+mn-cs"/>
+              </a:defRPr>
+            </a:lvl1pPr>
+            <a:lvl2pPr marL="685800" indent="-228600" algn="l" defTabSz="914400" rtl="0" eaLnBrk="1" latinLnBrk="0" hangingPunct="1">
+              <a:lnSpc>
+                <a:spcPct val="90000"/>
+              </a:lnSpc>
+              <a:spcBef>
+                <a:spcPts val="500"/>
+              </a:spcBef>
+              <a:buFont typeface="Arial" panose="020B0604020202020204" pitchFamily="34" charset="0"/>
+              <a:buChar char="•"/>
+              <a:defRPr sz="2400" kern="1200">
+                <a:solidFill>
+                  <a:schemeClr val="tx1"/>
+                </a:solidFill>
+                <a:latin typeface="+mn-lt"/>
+                <a:ea typeface="+mn-ea"/>
+                <a:cs typeface="+mn-cs"/>
+              </a:defRPr>
+            </a:lvl2pPr>
+            <a:lvl3pPr marL="1143000" indent="-228600" algn="l" defTabSz="914400" rtl="0" eaLnBrk="1" latinLnBrk="0" hangingPunct="1">
+              <a:lnSpc>
+                <a:spcPct val="90000"/>
+              </a:lnSpc>
+              <a:spcBef>
+                <a:spcPts val="500"/>
+              </a:spcBef>
+              <a:buFont typeface="Arial" panose="020B0604020202020204" pitchFamily="34" charset="0"/>
+              <a:buChar char="•"/>
+              <a:defRPr sz="2000" kern="1200">
+                <a:solidFill>
+                  <a:schemeClr val="tx1"/>
+                </a:solidFill>
+                <a:latin typeface="+mn-lt"/>
+                <a:ea typeface="+mn-ea"/>
+                <a:cs typeface="+mn-cs"/>
+              </a:defRPr>
+            </a:lvl3pPr>
+            <a:lvl4pPr marL="1600200" indent="-228600" algn="l" defTabSz="914400" rtl="0" eaLnBrk="1" latinLnBrk="0" hangingPunct="1">
+              <a:lnSpc>
+                <a:spcPct val="90000"/>
+              </a:lnSpc>
+              <a:spcBef>
+                <a:spcPts val="500"/>
+              </a:spcBef>
+              <a:buFont typeface="Arial" panose="020B0604020202020204" pitchFamily="34" charset="0"/>
+              <a:buChar char="•"/>
+              <a:defRPr sz="1800" kern="1200">
+                <a:solidFill>
+                  <a:schemeClr val="tx1"/>
+                </a:solidFill>
+                <a:latin typeface="+mn-lt"/>
+                <a:ea typeface="+mn-ea"/>
+                <a:cs typeface="+mn-cs"/>
+              </a:defRPr>
+            </a:lvl4pPr>
+            <a:lvl5pPr marL="2057400" indent="-228600" algn="l" defTabSz="914400" rtl="0" eaLnBrk="1" latinLnBrk="0" hangingPunct="1">
+              <a:lnSpc>
+                <a:spcPct val="90000"/>
+              </a:lnSpc>
+              <a:spcBef>
+                <a:spcPts val="500"/>
+              </a:spcBef>
+              <a:buFont typeface="Arial" panose="020B0604020202020204" pitchFamily="34" charset="0"/>
+              <a:buChar char="•"/>
+              <a:defRPr sz="1800" kern="1200">
+                <a:solidFill>
+                  <a:schemeClr val="tx1"/>
+                </a:solidFill>
+                <a:latin typeface="+mn-lt"/>
+                <a:ea typeface="+mn-ea"/>
+                <a:cs typeface="+mn-cs"/>
+              </a:defRPr>
+            </a:lvl5pPr>
+            <a:lvl6pPr marL="2514600" indent="-228600" algn="l" defTabSz="914400" rtl="0" eaLnBrk="1" latinLnBrk="0" hangingPunct="1">
+              <a:lnSpc>
+                <a:spcPct val="90000"/>
+              </a:lnSpc>
+              <a:spcBef>
+                <a:spcPts val="500"/>
+              </a:spcBef>
+              <a:buFont typeface="Arial" panose="020B0604020202020204" pitchFamily="34" charset="0"/>
+              <a:buChar char="•"/>
+              <a:defRPr sz="1800" kern="1200">
+                <a:solidFill>
+                  <a:schemeClr val="tx1"/>
+                </a:solidFill>
+                <a:latin typeface="+mn-lt"/>
+                <a:ea typeface="+mn-ea"/>
+                <a:cs typeface="+mn-cs"/>
+              </a:defRPr>
+            </a:lvl6pPr>
+            <a:lvl7pPr marL="2971800" indent="-228600" algn="l" defTabSz="914400" rtl="0" eaLnBrk="1" latinLnBrk="0" hangingPunct="1">
+              <a:lnSpc>
+                <a:spcPct val="90000"/>
+              </a:lnSpc>
+              <a:spcBef>
+                <a:spcPts val="500"/>
+              </a:spcBef>
+              <a:buFont typeface="Arial" panose="020B0604020202020204" pitchFamily="34" charset="0"/>
+              <a:buChar char="•"/>
+              <a:defRPr sz="1800" kern="1200">
+                <a:solidFill>
+                  <a:schemeClr val="tx1"/>
+                </a:solidFill>
+                <a:latin typeface="+mn-lt"/>
+                <a:ea typeface="+mn-ea"/>
+                <a:cs typeface="+mn-cs"/>
+              </a:defRPr>
+            </a:lvl7pPr>
+            <a:lvl8pPr marL="3429000" indent="-228600" algn="l" defTabSz="914400" rtl="0" eaLnBrk="1" latinLnBrk="0" hangingPunct="1">
+              <a:lnSpc>
+                <a:spcPct val="90000"/>
+              </a:lnSpc>
+              <a:spcBef>
+                <a:spcPts val="500"/>
+              </a:spcBef>
+              <a:buFont typeface="Arial" panose="020B0604020202020204" pitchFamily="34" charset="0"/>
+              <a:buChar char="•"/>
+              <a:defRPr sz="1800" kern="1200">
+                <a:solidFill>
+                  <a:schemeClr val="tx1"/>
+                </a:solidFill>
+                <a:latin typeface="+mn-lt"/>
+                <a:ea typeface="+mn-ea"/>
+                <a:cs typeface="+mn-cs"/>
+              </a:defRPr>
+            </a:lvl8pPr>
+            <a:lvl9pPr marL="3886200" indent="-228600" algn="l" defTabSz="914400" rtl="0" eaLnBrk="1" latinLnBrk="0" hangingPunct="1">
+              <a:lnSpc>
+                <a:spcPct val="90000"/>
+              </a:lnSpc>
+              <a:spcBef>
+                <a:spcPts val="500"/>
+              </a:spcBef>
+              <a:buFont typeface="Arial" panose="020B0604020202020204" pitchFamily="34" charset="0"/>
+              <a:buChar char="•"/>
+              <a:defRPr sz="1800" kern="1200">
+                <a:solidFill>
+                  <a:schemeClr val="tx1"/>
+                </a:solidFill>
+                <a:latin typeface="+mn-lt"/>
+                <a:ea typeface="+mn-ea"/>
+                <a:cs typeface="+mn-cs"/>
+              </a:defRPr>
+            </a:lvl9pPr>
+          </a:lstStyle>
+          <a:p>
+            <a:pPr marL="0" indent="0" algn="ctr">
+              <a:buFont typeface="Arial" panose="020B0604020202020204" pitchFamily="34" charset="0"/>
               <a:buNone/>
             </a:pPr>
+            <a:r>
+              <a:rPr lang="en-US" dirty="0" smtClean="0"/>
+              <a:t>Pay for positive social media content</a:t>
+            </a:r>
             <a:endParaRPr lang="en-US" dirty="0"/>
           </a:p>
-          <a:p>
-            <a:pPr marL="0" indent="0">
+        </p:txBody>
+      </p:sp>
+      <p:sp>
+        <p:nvSpPr>
+          <p:cNvPr id="18" name="Content Placeholder 14"/>
+          <p:cNvSpPr txBox="1">
+            <a:spLocks/>
+          </p:cNvSpPr>
+          <p:nvPr/>
+        </p:nvSpPr>
+        <p:spPr>
+          <a:xfrm>
+            <a:off x="5692787" y="6116991"/>
+            <a:ext cx="3232150" cy="548275"/>
+          </a:xfrm>
+          <a:prstGeom prst="rect">
+            <a:avLst/>
+          </a:prstGeom>
+        </p:spPr>
+        <p:txBody>
+          <a:bodyPr vert="horz" lIns="91440" tIns="45720" rIns="91440" bIns="45720" rtlCol="0">
+            <a:normAutofit fontScale="70000" lnSpcReduction="20000"/>
+          </a:bodyPr>
+          <a:lstStyle>
+            <a:lvl1pPr marL="228600" indent="-228600" algn="l" defTabSz="914400" rtl="0" eaLnBrk="1" latinLnBrk="0" hangingPunct="1">
+              <a:lnSpc>
+                <a:spcPct val="90000"/>
+              </a:lnSpc>
+              <a:spcBef>
+                <a:spcPts val="1000"/>
+              </a:spcBef>
+              <a:buFont typeface="Arial" panose="020B0604020202020204" pitchFamily="34" charset="0"/>
+              <a:buChar char="•"/>
+              <a:defRPr sz="2800" kern="1200">
+                <a:solidFill>
+                  <a:schemeClr val="tx1"/>
+                </a:solidFill>
+                <a:latin typeface="+mn-lt"/>
+                <a:ea typeface="+mn-ea"/>
+                <a:cs typeface="+mn-cs"/>
+              </a:defRPr>
+            </a:lvl1pPr>
+            <a:lvl2pPr marL="685800" indent="-228600" algn="l" defTabSz="914400" rtl="0" eaLnBrk="1" latinLnBrk="0" hangingPunct="1">
+              <a:lnSpc>
+                <a:spcPct val="90000"/>
+              </a:lnSpc>
+              <a:spcBef>
+                <a:spcPts val="500"/>
+              </a:spcBef>
+              <a:buFont typeface="Arial" panose="020B0604020202020204" pitchFamily="34" charset="0"/>
+              <a:buChar char="•"/>
+              <a:defRPr sz="2400" kern="1200">
+                <a:solidFill>
+                  <a:schemeClr val="tx1"/>
+                </a:solidFill>
+                <a:latin typeface="+mn-lt"/>
+                <a:ea typeface="+mn-ea"/>
+                <a:cs typeface="+mn-cs"/>
+              </a:defRPr>
+            </a:lvl2pPr>
+            <a:lvl3pPr marL="1143000" indent="-228600" algn="l" defTabSz="914400" rtl="0" eaLnBrk="1" latinLnBrk="0" hangingPunct="1">
+              <a:lnSpc>
+                <a:spcPct val="90000"/>
+              </a:lnSpc>
+              <a:spcBef>
+                <a:spcPts val="500"/>
+              </a:spcBef>
+              <a:buFont typeface="Arial" panose="020B0604020202020204" pitchFamily="34" charset="0"/>
+              <a:buChar char="•"/>
+              <a:defRPr sz="2000" kern="1200">
+                <a:solidFill>
+                  <a:schemeClr val="tx1"/>
+                </a:solidFill>
+                <a:latin typeface="+mn-lt"/>
+                <a:ea typeface="+mn-ea"/>
+                <a:cs typeface="+mn-cs"/>
+              </a:defRPr>
+            </a:lvl3pPr>
+            <a:lvl4pPr marL="1600200" indent="-228600" algn="l" defTabSz="914400" rtl="0" eaLnBrk="1" latinLnBrk="0" hangingPunct="1">
+              <a:lnSpc>
+                <a:spcPct val="90000"/>
+              </a:lnSpc>
+              <a:spcBef>
+                <a:spcPts val="500"/>
+              </a:spcBef>
+              <a:buFont typeface="Arial" panose="020B0604020202020204" pitchFamily="34" charset="0"/>
+              <a:buChar char="•"/>
+              <a:defRPr sz="1800" kern="1200">
+                <a:solidFill>
+                  <a:schemeClr val="tx1"/>
+                </a:solidFill>
+                <a:latin typeface="+mn-lt"/>
+                <a:ea typeface="+mn-ea"/>
+                <a:cs typeface="+mn-cs"/>
+              </a:defRPr>
+            </a:lvl4pPr>
+            <a:lvl5pPr marL="2057400" indent="-228600" algn="l" defTabSz="914400" rtl="0" eaLnBrk="1" latinLnBrk="0" hangingPunct="1">
+              <a:lnSpc>
+                <a:spcPct val="90000"/>
+              </a:lnSpc>
+              <a:spcBef>
+                <a:spcPts val="500"/>
+              </a:spcBef>
+              <a:buFont typeface="Arial" panose="020B0604020202020204" pitchFamily="34" charset="0"/>
+              <a:buChar char="•"/>
+              <a:defRPr sz="1800" kern="1200">
+                <a:solidFill>
+                  <a:schemeClr val="tx1"/>
+                </a:solidFill>
+                <a:latin typeface="+mn-lt"/>
+                <a:ea typeface="+mn-ea"/>
+                <a:cs typeface="+mn-cs"/>
+              </a:defRPr>
+            </a:lvl5pPr>
+            <a:lvl6pPr marL="2514600" indent="-228600" algn="l" defTabSz="914400" rtl="0" eaLnBrk="1" latinLnBrk="0" hangingPunct="1">
+              <a:lnSpc>
+                <a:spcPct val="90000"/>
+              </a:lnSpc>
+              <a:spcBef>
+                <a:spcPts val="500"/>
+              </a:spcBef>
+              <a:buFont typeface="Arial" panose="020B0604020202020204" pitchFamily="34" charset="0"/>
+              <a:buChar char="•"/>
+              <a:defRPr sz="1800" kern="1200">
+                <a:solidFill>
+                  <a:schemeClr val="tx1"/>
+                </a:solidFill>
+                <a:latin typeface="+mn-lt"/>
+                <a:ea typeface="+mn-ea"/>
+                <a:cs typeface="+mn-cs"/>
+              </a:defRPr>
+            </a:lvl6pPr>
+            <a:lvl7pPr marL="2971800" indent="-228600" algn="l" defTabSz="914400" rtl="0" eaLnBrk="1" latinLnBrk="0" hangingPunct="1">
+              <a:lnSpc>
+                <a:spcPct val="90000"/>
+              </a:lnSpc>
+              <a:spcBef>
+                <a:spcPts val="500"/>
+              </a:spcBef>
+              <a:buFont typeface="Arial" panose="020B0604020202020204" pitchFamily="34" charset="0"/>
+              <a:buChar char="•"/>
+              <a:defRPr sz="1800" kern="1200">
+                <a:solidFill>
+                  <a:schemeClr val="tx1"/>
+                </a:solidFill>
+                <a:latin typeface="+mn-lt"/>
+                <a:ea typeface="+mn-ea"/>
+                <a:cs typeface="+mn-cs"/>
+              </a:defRPr>
+            </a:lvl7pPr>
+            <a:lvl8pPr marL="3429000" indent="-228600" algn="l" defTabSz="914400" rtl="0" eaLnBrk="1" latinLnBrk="0" hangingPunct="1">
+              <a:lnSpc>
+                <a:spcPct val="90000"/>
+              </a:lnSpc>
+              <a:spcBef>
+                <a:spcPts val="500"/>
+              </a:spcBef>
+              <a:buFont typeface="Arial" panose="020B0604020202020204" pitchFamily="34" charset="0"/>
+              <a:buChar char="•"/>
+              <a:defRPr sz="1800" kern="1200">
+                <a:solidFill>
+                  <a:schemeClr val="tx1"/>
+                </a:solidFill>
+                <a:latin typeface="+mn-lt"/>
+                <a:ea typeface="+mn-ea"/>
+                <a:cs typeface="+mn-cs"/>
+              </a:defRPr>
+            </a:lvl8pPr>
+            <a:lvl9pPr marL="3886200" indent="-228600" algn="l" defTabSz="914400" rtl="0" eaLnBrk="1" latinLnBrk="0" hangingPunct="1">
+              <a:lnSpc>
+                <a:spcPct val="90000"/>
+              </a:lnSpc>
+              <a:spcBef>
+                <a:spcPts val="500"/>
+              </a:spcBef>
+              <a:buFont typeface="Arial" panose="020B0604020202020204" pitchFamily="34" charset="0"/>
+              <a:buChar char="•"/>
+              <a:defRPr sz="1800" kern="1200">
+                <a:solidFill>
+                  <a:schemeClr val="tx1"/>
+                </a:solidFill>
+                <a:latin typeface="+mn-lt"/>
+                <a:ea typeface="+mn-ea"/>
+                <a:cs typeface="+mn-cs"/>
+              </a:defRPr>
+            </a:lvl9pPr>
+          </a:lstStyle>
+          <a:p>
+            <a:pPr marL="0" indent="0" algn="ctr">
+              <a:buFont typeface="Arial" panose="020B0604020202020204" pitchFamily="34" charset="0"/>
               <a:buNone/>
             </a:pPr>
             <a:r>
               <a:rPr lang="en-US" dirty="0" smtClean="0"/>
-              <a:t>Most influencer companies focus on getting “star” advocates – celebrities or individuals with a large social media following (e.g., </a:t>
-            </a:r>
-            <a:r>
-              <a:rPr lang="en-US" dirty="0" err="1" smtClean="0"/>
-              <a:t>Influicity</a:t>
-            </a:r>
-            <a:r>
-              <a:rPr lang="en-US" dirty="0" smtClean="0"/>
-              <a:t>)</a:t>
-            </a:r>
-          </a:p>
-          <a:p>
-            <a:pPr marL="0" indent="0">
-              <a:buNone/>
-            </a:pPr>
-            <a:endParaRPr lang="en-US" dirty="0" smtClean="0"/>
-          </a:p>
-          <a:p>
-            <a:pPr marL="0" indent="0">
-              <a:buNone/>
-            </a:pPr>
-            <a:r>
-              <a:rPr lang="en-US" dirty="0" smtClean="0"/>
-              <a:t>Some companies have set up white label referral programs (e.g., </a:t>
-            </a:r>
-            <a:r>
-              <a:rPr lang="en-US" dirty="0" err="1" smtClean="0"/>
-              <a:t>Yazing</a:t>
-            </a:r>
-            <a:r>
-              <a:rPr lang="en-US" dirty="0" smtClean="0"/>
-              <a:t>)</a:t>
-            </a:r>
-            <a:endParaRPr lang="en-US" dirty="0"/>
-          </a:p>
-          <a:p>
-            <a:pPr marL="0" indent="0">
-              <a:buNone/>
-            </a:pPr>
+              <a:t>Match brands with famous influencers</a:t>
+            </a:r>
             <a:endParaRPr lang="en-US" dirty="0"/>
           </a:p>
         </p:txBody>
